--- a/Online Fotóalbum.pptx
+++ b/Online Fotóalbum.pptx
@@ -7,12 +7,13 @@
   <p:sldIdLst>
     <p:sldId id="256" r:id="rId2"/>
     <p:sldId id="257" r:id="rId3"/>
-    <p:sldId id="258" r:id="rId4"/>
-    <p:sldId id="259" r:id="rId5"/>
-    <p:sldId id="260" r:id="rId6"/>
-    <p:sldId id="261" r:id="rId7"/>
-    <p:sldId id="262" r:id="rId8"/>
-    <p:sldId id="263" r:id="rId9"/>
+    <p:sldId id="259" r:id="rId4"/>
+    <p:sldId id="258" r:id="rId5"/>
+    <p:sldId id="264" r:id="rId6"/>
+    <p:sldId id="260" r:id="rId7"/>
+    <p:sldId id="261" r:id="rId8"/>
+    <p:sldId id="262" r:id="rId9"/>
+    <p:sldId id="263" r:id="rId10"/>
   </p:sldIdLst>
   <p:sldSz cx="12192000" cy="6858000"/>
   <p:notesSz cx="6858000" cy="9144000"/>
@@ -111,6 +112,11 @@
       </a:defRPr>
     </a:lvl9pPr>
   </p:defaultTextStyle>
+  <p:extLst>
+    <p:ext uri="{EFAFB233-063F-42B5-8137-9DF3F51BA10A}">
+      <p15:sldGuideLst xmlns:p15="http://schemas.microsoft.com/office/powerpoint/2012/main"/>
+    </p:ext>
+  </p:extLst>
 </p:presentation>
 </file>
 
@@ -7520,7 +7526,7 @@
           <a:p>
             <a:fld id="{53BEF823-48A5-43FC-BE03-E79964288B41}" type="datetimeFigureOut">
               <a:rPr lang="en-US" smtClean="0"/>
-              <a:t>12/14/2024</a:t>
+              <a:t>12/15/2024</a:t>
             </a:fld>
             <a:endParaRPr lang="en-US" dirty="0"/>
           </a:p>
@@ -7731,7 +7737,7 @@
             <a:fld id="{53BEF823-48A5-43FC-BE03-E79964288B41}" type="datetimeFigureOut">
               <a:rPr lang="en-US" smtClean="0"/>
               <a:pPr algn="r"/>
-              <a:t>12/14/2024</a:t>
+              <a:t>12/15/2024</a:t>
             </a:fld>
             <a:endParaRPr lang="en-US" dirty="0"/>
           </a:p>
@@ -7946,7 +7952,7 @@
             <a:fld id="{53BEF823-48A5-43FC-BE03-E79964288B41}" type="datetimeFigureOut">
               <a:rPr lang="en-US" smtClean="0"/>
               <a:pPr algn="r"/>
-              <a:t>12/14/2024</a:t>
+              <a:t>12/15/2024</a:t>
             </a:fld>
             <a:endParaRPr lang="en-US" dirty="0"/>
           </a:p>
@@ -8149,7 +8155,7 @@
             <a:fld id="{53BEF823-48A5-43FC-BE03-E79964288B41}" type="datetimeFigureOut">
               <a:rPr lang="en-US" smtClean="0"/>
               <a:pPr algn="r"/>
-              <a:t>12/14/2024</a:t>
+              <a:t>12/15/2024</a:t>
             </a:fld>
             <a:endParaRPr lang="en-US" dirty="0"/>
           </a:p>
@@ -8433,7 +8439,7 @@
             <a:fld id="{53BEF823-48A5-43FC-BE03-E79964288B41}" type="datetimeFigureOut">
               <a:rPr lang="en-US" smtClean="0"/>
               <a:pPr algn="r"/>
-              <a:t>12/14/2024</a:t>
+              <a:t>12/15/2024</a:t>
             </a:fld>
             <a:endParaRPr lang="en-US" dirty="0"/>
           </a:p>
@@ -8677,7 +8683,7 @@
             <a:fld id="{53BEF823-48A5-43FC-BE03-E79964288B41}" type="datetimeFigureOut">
               <a:rPr lang="en-US" smtClean="0"/>
               <a:pPr algn="r"/>
-              <a:t>12/14/2024</a:t>
+              <a:t>12/15/2024</a:t>
             </a:fld>
             <a:endParaRPr lang="en-US" dirty="0"/>
           </a:p>
@@ -9120,7 +9126,7 @@
             <a:fld id="{53BEF823-48A5-43FC-BE03-E79964288B41}" type="datetimeFigureOut">
               <a:rPr lang="en-US" smtClean="0"/>
               <a:pPr algn="r"/>
-              <a:t>12/14/2024</a:t>
+              <a:t>12/15/2024</a:t>
             </a:fld>
             <a:endParaRPr lang="en-US" dirty="0"/>
           </a:p>
@@ -9266,7 +9272,7 @@
             <a:fld id="{53BEF823-48A5-43FC-BE03-E79964288B41}" type="datetimeFigureOut">
               <a:rPr lang="en-US" smtClean="0"/>
               <a:pPr algn="r"/>
-              <a:t>12/14/2024</a:t>
+              <a:t>12/15/2024</a:t>
             </a:fld>
             <a:endParaRPr lang="en-US" dirty="0"/>
           </a:p>
@@ -9384,7 +9390,7 @@
             <a:fld id="{53BEF823-48A5-43FC-BE03-E79964288B41}" type="datetimeFigureOut">
               <a:rPr lang="en-US" smtClean="0"/>
               <a:pPr algn="r"/>
-              <a:t>12/14/2024</a:t>
+              <a:t>12/15/2024</a:t>
             </a:fld>
             <a:endParaRPr lang="en-US" dirty="0"/>
           </a:p>
@@ -9668,7 +9674,7 @@
             <a:fld id="{53BEF823-48A5-43FC-BE03-E79964288B41}" type="datetimeFigureOut">
               <a:rPr lang="en-US" smtClean="0"/>
               <a:pPr algn="r"/>
-              <a:t>12/14/2024</a:t>
+              <a:t>12/15/2024</a:t>
             </a:fld>
             <a:endParaRPr lang="en-US" dirty="0"/>
           </a:p>
@@ -9963,7 +9969,7 @@
             <a:fld id="{53BEF823-48A5-43FC-BE03-E79964288B41}" type="datetimeFigureOut">
               <a:rPr lang="en-US" smtClean="0"/>
               <a:pPr algn="r"/>
-              <a:t>12/14/2024</a:t>
+              <a:t>12/15/2024</a:t>
             </a:fld>
             <a:endParaRPr lang="en-US" dirty="0"/>
           </a:p>
@@ -10458,7 +10464,7 @@
             <a:fld id="{53BEF823-48A5-43FC-BE03-E79964288B41}" type="datetimeFigureOut">
               <a:rPr lang="en-US" smtClean="0"/>
               <a:pPr algn="r"/>
-              <a:t>12/14/2024</a:t>
+              <a:t>12/15/2024</a:t>
             </a:fld>
             <a:endParaRPr lang="en-US" dirty="0"/>
           </a:p>
@@ -11976,6 +11982,719 @@
     <p:bg>
       <p:bgPr>
         <a:solidFill>
+          <a:schemeClr val="bg2"/>
+        </a:solidFill>
+        <a:effectLst/>
+      </p:bgPr>
+    </p:bg>
+    <p:spTree>
+      <p:nvGrpSpPr>
+        <p:cNvPr id="1" name=""/>
+        <p:cNvGrpSpPr/>
+        <p:nvPr/>
+      </p:nvGrpSpPr>
+      <p:grpSpPr>
+        <a:xfrm>
+          <a:off x="0" y="0"/>
+          <a:ext cx="0" cy="0"/>
+          <a:chOff x="0" y="0"/>
+          <a:chExt cx="0" cy="0"/>
+        </a:xfrm>
+      </p:grpSpPr>
+      <p:sp useBgFill="1">
+        <p:nvSpPr>
+          <p:cNvPr id="10" name="Rectangle 9">
+            <a:extLst>
+              <a:ext uri="{FF2B5EF4-FFF2-40B4-BE49-F238E27FC236}">
+                <a16:creationId xmlns:a16="http://schemas.microsoft.com/office/drawing/2014/main" id="{C5176844-69C3-4F79-BE38-EA5BDDF4FEA4}"/>
+              </a:ext>
+              <a:ext uri="{C183D7F6-B498-43B3-948B-1728B52AA6E4}">
+                <adec:decorative xmlns:adec="http://schemas.microsoft.com/office/drawing/2017/decorative" val="1"/>
+              </a:ext>
+            </a:extLst>
+          </p:cNvPr>
+          <p:cNvSpPr>
+            <a:spLocks noGrp="1" noRot="1" noChangeAspect="1" noMove="1" noResize="1" noEditPoints="1" noAdjustHandles="1" noChangeArrowheads="1" noChangeShapeType="1" noTextEdit="1"/>
+          </p:cNvSpPr>
+          <p:nvPr>
+            <p:extLst>
+              <p:ext uri="{386F3935-93C4-4BCD-93E2-E3B085C9AB24}">
+                <p16:designElem xmlns:p16="http://schemas.microsoft.com/office/powerpoint/2015/main" val="1"/>
+              </p:ext>
+            </p:extLst>
+          </p:nvPr>
+        </p:nvSpPr>
+        <p:spPr>
+          <a:xfrm>
+            <a:off x="0" y="0"/>
+            <a:ext cx="12192000" cy="6858000"/>
+          </a:xfrm>
+          <a:prstGeom prst="rect">
+            <a:avLst/>
+          </a:prstGeom>
+          <a:ln>
+            <a:noFill/>
+          </a:ln>
+        </p:spPr>
+        <p:style>
+          <a:lnRef idx="2">
+            <a:schemeClr val="accent1">
+              <a:shade val="50000"/>
+            </a:schemeClr>
+          </a:lnRef>
+          <a:fillRef idx="1">
+            <a:schemeClr val="accent1"/>
+          </a:fillRef>
+          <a:effectRef idx="0">
+            <a:schemeClr val="accent1"/>
+          </a:effectRef>
+          <a:fontRef idx="minor">
+            <a:schemeClr val="lt1"/>
+          </a:fontRef>
+        </p:style>
+        <p:txBody>
+          <a:bodyPr rtlCol="0" anchor="ctr"/>
+          <a:lstStyle/>
+          <a:p>
+            <a:pPr algn="ctr"/>
+            <a:endParaRPr lang="en-US"/>
+          </a:p>
+        </p:txBody>
+      </p:sp>
+      <p:sp>
+        <p:nvSpPr>
+          <p:cNvPr id="2" name="Title 1">
+            <a:extLst>
+              <a:ext uri="{FF2B5EF4-FFF2-40B4-BE49-F238E27FC236}">
+                <a16:creationId xmlns:a16="http://schemas.microsoft.com/office/drawing/2014/main" id="{45EB3BC9-644A-E999-D25F-6F03E40770BD}"/>
+              </a:ext>
+            </a:extLst>
+          </p:cNvPr>
+          <p:cNvSpPr>
+            <a:spLocks noGrp="1"/>
+          </p:cNvSpPr>
+          <p:nvPr>
+            <p:ph type="title"/>
+          </p:nvPr>
+        </p:nvSpPr>
+        <p:spPr>
+          <a:xfrm>
+            <a:off x="1068497" y="1063256"/>
+            <a:ext cx="5312254" cy="1540106"/>
+          </a:xfrm>
+        </p:spPr>
+        <p:txBody>
+          <a:bodyPr>
+            <a:normAutofit/>
+          </a:bodyPr>
+          <a:lstStyle/>
+          <a:p>
+            <a:r>
+              <a:rPr lang="en-US" dirty="0"/>
+              <a:t>A Program </a:t>
+            </a:r>
+            <a:r>
+              <a:rPr lang="en-US" dirty="0" err="1"/>
+              <a:t>Célja</a:t>
+            </a:r>
+            <a:endParaRPr lang="hu-HU" dirty="0"/>
+          </a:p>
+        </p:txBody>
+      </p:sp>
+      <p:cxnSp>
+        <p:nvCxnSpPr>
+          <p:cNvPr id="26" name="Straight Connector 25">
+            <a:extLst>
+              <a:ext uri="{FF2B5EF4-FFF2-40B4-BE49-F238E27FC236}">
+                <a16:creationId xmlns:a16="http://schemas.microsoft.com/office/drawing/2014/main" id="{33862825-C012-4895-A17E-F3D1F62D89DD}"/>
+              </a:ext>
+              <a:ext uri="{C183D7F6-B498-43B3-948B-1728B52AA6E4}">
+                <adec:decorative xmlns:adec="http://schemas.microsoft.com/office/drawing/2017/decorative" val="1"/>
+              </a:ext>
+            </a:extLst>
+          </p:cNvPr>
+          <p:cNvCxnSpPr>
+            <a:cxnSpLocks noGrp="1" noRot="1" noChangeAspect="1" noMove="1" noResize="1" noEditPoints="1" noAdjustHandles="1" noChangeArrowheads="1" noChangeShapeType="1"/>
+          </p:cNvCxnSpPr>
+          <p:nvPr>
+            <p:extLst>
+              <p:ext uri="{386F3935-93C4-4BCD-93E2-E3B085C9AB24}">
+                <p16:designElem xmlns:p16="http://schemas.microsoft.com/office/powerpoint/2015/main" val="1"/>
+              </p:ext>
+            </p:extLst>
+          </p:nvPr>
+        </p:nvCxnSpPr>
+        <p:spPr>
+          <a:xfrm>
+            <a:off x="758952" y="1143293"/>
+            <a:ext cx="0" cy="5714707"/>
+          </a:xfrm>
+          <a:prstGeom prst="line">
+            <a:avLst/>
+          </a:prstGeom>
+          <a:ln w="19050">
+            <a:solidFill>
+              <a:schemeClr val="tx1">
+                <a:lumMod val="85000"/>
+                <a:lumOff val="15000"/>
+              </a:schemeClr>
+            </a:solidFill>
+          </a:ln>
+        </p:spPr>
+        <p:style>
+          <a:lnRef idx="1">
+            <a:schemeClr val="accent1"/>
+          </a:lnRef>
+          <a:fillRef idx="0">
+            <a:schemeClr val="accent1"/>
+          </a:fillRef>
+          <a:effectRef idx="0">
+            <a:schemeClr val="accent1"/>
+          </a:effectRef>
+          <a:fontRef idx="minor">
+            <a:schemeClr val="tx1"/>
+          </a:fontRef>
+        </p:style>
+      </p:cxnSp>
+      <p:sp>
+        <p:nvSpPr>
+          <p:cNvPr id="3" name="Content Placeholder 2">
+            <a:extLst>
+              <a:ext uri="{FF2B5EF4-FFF2-40B4-BE49-F238E27FC236}">
+                <a16:creationId xmlns:a16="http://schemas.microsoft.com/office/drawing/2014/main" id="{BC3445F5-7F82-E7E0-FBD4-1A23DBF9ABB8}"/>
+              </a:ext>
+            </a:extLst>
+          </p:cNvPr>
+          <p:cNvSpPr>
+            <a:spLocks noGrp="1"/>
+          </p:cNvSpPr>
+          <p:nvPr>
+            <p:ph idx="1"/>
+          </p:nvPr>
+        </p:nvSpPr>
+        <p:spPr>
+          <a:xfrm>
+            <a:off x="1068497" y="2933390"/>
+            <a:ext cx="5312254" cy="2861349"/>
+          </a:xfrm>
+        </p:spPr>
+        <p:txBody>
+          <a:bodyPr>
+            <a:normAutofit/>
+          </a:bodyPr>
+          <a:lstStyle/>
+          <a:p>
+            <a:pPr marL="0" indent="0" algn="just">
+              <a:buNone/>
+            </a:pPr>
+            <a:r>
+              <a:rPr lang="en-US" dirty="0"/>
+              <a:t>A program </a:t>
+            </a:r>
+            <a:r>
+              <a:rPr lang="en-US" dirty="0" err="1"/>
+              <a:t>egy</a:t>
+            </a:r>
+            <a:r>
+              <a:rPr lang="en-US" dirty="0"/>
+              <a:t> </a:t>
+            </a:r>
+            <a:r>
+              <a:rPr lang="en-US" dirty="0" err="1"/>
+              <a:t>képfeltöltő</a:t>
+            </a:r>
+            <a:r>
+              <a:rPr lang="en-US" dirty="0"/>
+              <a:t> </a:t>
+            </a:r>
+            <a:r>
+              <a:rPr lang="en-US" dirty="0" err="1"/>
+              <a:t>és</a:t>
+            </a:r>
+            <a:r>
+              <a:rPr lang="en-US" dirty="0"/>
+              <a:t> </a:t>
+            </a:r>
+            <a:r>
+              <a:rPr lang="en-US" dirty="0" err="1"/>
+              <a:t>megosztó</a:t>
+            </a:r>
+            <a:r>
+              <a:rPr lang="en-US" dirty="0"/>
+              <a:t> </a:t>
+            </a:r>
+            <a:r>
+              <a:rPr lang="en-US" dirty="0" err="1"/>
+              <a:t>rendszer</a:t>
+            </a:r>
+            <a:r>
+              <a:rPr lang="en-US" dirty="0"/>
+              <a:t>, </a:t>
+            </a:r>
+            <a:r>
+              <a:rPr lang="en-US" dirty="0" err="1"/>
+              <a:t>amely</a:t>
+            </a:r>
+            <a:r>
+              <a:rPr lang="en-US" dirty="0"/>
+              <a:t> </a:t>
+            </a:r>
+            <a:r>
+              <a:rPr lang="en-US" dirty="0" err="1"/>
+              <a:t>lehetővé</a:t>
+            </a:r>
+            <a:r>
+              <a:rPr lang="en-US" dirty="0"/>
+              <a:t> </a:t>
+            </a:r>
+            <a:r>
+              <a:rPr lang="en-US" dirty="0" err="1"/>
+              <a:t>teszi</a:t>
+            </a:r>
+            <a:r>
+              <a:rPr lang="en-US" dirty="0"/>
+              <a:t>:</a:t>
+            </a:r>
+            <a:endParaRPr lang="hu-HU" dirty="0"/>
+          </a:p>
+          <a:p>
+            <a:pPr algn="just"/>
+            <a:r>
+              <a:rPr lang="en-US" dirty="0" err="1"/>
+              <a:t>Képek</a:t>
+            </a:r>
+            <a:r>
+              <a:rPr lang="en-US" dirty="0"/>
+              <a:t> </a:t>
+            </a:r>
+            <a:r>
+              <a:rPr lang="en-US" dirty="0" err="1"/>
+              <a:t>feltöltését</a:t>
+            </a:r>
+            <a:r>
+              <a:rPr lang="en-US" dirty="0"/>
+              <a:t> </a:t>
+            </a:r>
+            <a:r>
+              <a:rPr lang="en-US" dirty="0" err="1"/>
+              <a:t>és</a:t>
+            </a:r>
+            <a:r>
+              <a:rPr lang="en-US" dirty="0"/>
+              <a:t> </a:t>
+            </a:r>
+            <a:r>
+              <a:rPr lang="en-US" dirty="0" err="1"/>
+              <a:t>méretezését</a:t>
+            </a:r>
+            <a:endParaRPr lang="en-US" dirty="0"/>
+          </a:p>
+          <a:p>
+            <a:pPr algn="just"/>
+            <a:r>
+              <a:rPr lang="en-US" dirty="0" err="1"/>
+              <a:t>Képek</a:t>
+            </a:r>
+            <a:r>
+              <a:rPr lang="en-US" dirty="0"/>
+              <a:t> </a:t>
+            </a:r>
+            <a:r>
+              <a:rPr lang="en-US" dirty="0" err="1"/>
+              <a:t>megjelenítését</a:t>
+            </a:r>
+            <a:r>
+              <a:rPr lang="en-US" dirty="0"/>
+              <a:t> a </a:t>
+            </a:r>
+            <a:r>
+              <a:rPr lang="en-US" dirty="0" err="1"/>
+              <a:t>galériában</a:t>
+            </a:r>
+            <a:endParaRPr lang="en-US" dirty="0"/>
+          </a:p>
+          <a:p>
+            <a:pPr algn="just"/>
+            <a:r>
+              <a:rPr lang="en-US" dirty="0" err="1"/>
+              <a:t>Címkék</a:t>
+            </a:r>
+            <a:r>
+              <a:rPr lang="en-US" dirty="0"/>
+              <a:t> </a:t>
+            </a:r>
+            <a:r>
+              <a:rPr lang="en-US" dirty="0" err="1"/>
+              <a:t>és</a:t>
+            </a:r>
+            <a:r>
+              <a:rPr lang="en-US" dirty="0"/>
+              <a:t> </a:t>
+            </a:r>
+            <a:r>
+              <a:rPr lang="en-US" dirty="0" err="1"/>
+              <a:t>kommentek</a:t>
+            </a:r>
+            <a:r>
+              <a:rPr lang="en-US" dirty="0"/>
+              <a:t> </a:t>
+            </a:r>
+            <a:r>
+              <a:rPr lang="en-US" dirty="0" err="1"/>
+              <a:t>kezelését</a:t>
+            </a:r>
+            <a:endParaRPr lang="hu-HU" dirty="0"/>
+          </a:p>
+          <a:p>
+            <a:pPr algn="just"/>
+            <a:r>
+              <a:rPr lang="en-US" dirty="0" err="1"/>
+              <a:t>Képek</a:t>
+            </a:r>
+            <a:r>
+              <a:rPr lang="en-US" dirty="0"/>
+              <a:t> </a:t>
+            </a:r>
+            <a:r>
+              <a:rPr lang="en-US" dirty="0" err="1"/>
+              <a:t>megosztását</a:t>
+            </a:r>
+            <a:r>
+              <a:rPr lang="en-US" dirty="0"/>
+              <a:t> </a:t>
+            </a:r>
+            <a:r>
+              <a:rPr lang="en-US" dirty="0" err="1"/>
+              <a:t>más</a:t>
+            </a:r>
+            <a:r>
+              <a:rPr lang="en-US" dirty="0"/>
+              <a:t> </a:t>
+            </a:r>
+            <a:r>
+              <a:rPr lang="en-US" dirty="0" err="1"/>
+              <a:t>felhasználókkal</a:t>
+            </a:r>
+            <a:endParaRPr lang="en-US" dirty="0"/>
+          </a:p>
+          <a:p>
+            <a:pPr algn="just"/>
+            <a:endParaRPr lang="hu-HU" dirty="0"/>
+          </a:p>
+        </p:txBody>
+      </p:sp>
+      <p:pic>
+        <p:nvPicPr>
+          <p:cNvPr id="5" name="Picture 4" descr="A screenshot of a video game">
+            <a:extLst>
+              <a:ext uri="{FF2B5EF4-FFF2-40B4-BE49-F238E27FC236}">
+                <a16:creationId xmlns:a16="http://schemas.microsoft.com/office/drawing/2014/main" id="{06134F0B-51F3-A5CC-13E7-675669964C9F}"/>
+              </a:ext>
+            </a:extLst>
+          </p:cNvPr>
+          <p:cNvPicPr>
+            <a:picLocks noChangeAspect="1"/>
+          </p:cNvPicPr>
+          <p:nvPr/>
+        </p:nvPicPr>
+        <p:blipFill>
+          <a:blip r:embed="rId2">
+            <a:extLst>
+              <a:ext uri="{28A0092B-C50C-407E-A947-70E740481C1C}">
+                <a14:useLocalDpi xmlns:a14="http://schemas.microsoft.com/office/drawing/2010/main" val="0"/>
+              </a:ext>
+            </a:extLst>
+          </a:blip>
+          <a:srcRect l="18109" r="45580" b="1"/>
+          <a:stretch/>
+        </p:blipFill>
+        <p:spPr>
+          <a:xfrm>
+            <a:off x="6976934" y="10"/>
+            <a:ext cx="5215066" cy="6857990"/>
+          </a:xfrm>
+          <a:custGeom>
+            <a:avLst/>
+            <a:gdLst/>
+            <a:ahLst/>
+            <a:cxnLst/>
+            <a:rect l="l" t="t" r="r" b="b"/>
+            <a:pathLst>
+              <a:path w="5215066" h="6858000">
+                <a:moveTo>
+                  <a:pt x="2017353" y="0"/>
+                </a:moveTo>
+                <a:lnTo>
+                  <a:pt x="5215066" y="0"/>
+                </a:lnTo>
+                <a:lnTo>
+                  <a:pt x="5215066" y="6858000"/>
+                </a:lnTo>
+                <a:lnTo>
+                  <a:pt x="1292431" y="6858000"/>
+                </a:lnTo>
+                <a:lnTo>
+                  <a:pt x="1012702" y="6549681"/>
+                </a:lnTo>
+                <a:cubicBezTo>
+                  <a:pt x="380046" y="5781733"/>
+                  <a:pt x="0" y="4797206"/>
+                  <a:pt x="0" y="3723759"/>
+                </a:cubicBezTo>
+                <a:cubicBezTo>
+                  <a:pt x="0" y="2190263"/>
+                  <a:pt x="775604" y="838237"/>
+                  <a:pt x="1955279" y="39865"/>
+                </a:cubicBezTo>
+                <a:close/>
+              </a:path>
+            </a:pathLst>
+          </a:custGeom>
+        </p:spPr>
+      </p:pic>
+      <p:sp>
+        <p:nvSpPr>
+          <p:cNvPr id="14" name="Freeform 6">
+            <a:extLst>
+              <a:ext uri="{FF2B5EF4-FFF2-40B4-BE49-F238E27FC236}">
+                <a16:creationId xmlns:a16="http://schemas.microsoft.com/office/drawing/2014/main" id="{A101E513-AF74-4E9D-A31F-99664250722D}"/>
+              </a:ext>
+              <a:ext uri="{C183D7F6-B498-43B3-948B-1728B52AA6E4}">
+                <adec:decorative xmlns:adec="http://schemas.microsoft.com/office/drawing/2017/decorative" val="1"/>
+              </a:ext>
+            </a:extLst>
+          </p:cNvPr>
+          <p:cNvSpPr>
+            <a:spLocks noGrp="1" noRot="1" noChangeAspect="1" noMove="1" noResize="1" noEditPoints="1" noAdjustHandles="1" noChangeArrowheads="1" noChangeShapeType="1" noTextEdit="1"/>
+          </p:cNvSpPr>
+          <p:nvPr>
+            <p:extLst>
+              <p:ext uri="{386F3935-93C4-4BCD-93E2-E3B085C9AB24}">
+                <p16:designElem xmlns:p16="http://schemas.microsoft.com/office/powerpoint/2015/main" val="1"/>
+              </p:ext>
+            </p:extLst>
+          </p:nvPr>
+        </p:nvSpPr>
+        <p:spPr bwMode="auto">
+          <a:xfrm>
+            <a:off x="11784011" y="5783564"/>
+            <a:ext cx="407988" cy="819150"/>
+          </a:xfrm>
+          <a:custGeom>
+            <a:avLst/>
+            <a:gdLst/>
+            <a:ahLst/>
+            <a:cxnLst/>
+            <a:rect l="0" t="0" r="r" b="b"/>
+            <a:pathLst>
+              <a:path w="1799" h="3612">
+                <a:moveTo>
+                  <a:pt x="1799" y="0"/>
+                </a:moveTo>
+                <a:lnTo>
+                  <a:pt x="1799" y="3612"/>
+                </a:lnTo>
+                <a:lnTo>
+                  <a:pt x="1686" y="3609"/>
+                </a:lnTo>
+                <a:lnTo>
+                  <a:pt x="1574" y="3598"/>
+                </a:lnTo>
+                <a:lnTo>
+                  <a:pt x="1464" y="3581"/>
+                </a:lnTo>
+                <a:lnTo>
+                  <a:pt x="1357" y="3557"/>
+                </a:lnTo>
+                <a:lnTo>
+                  <a:pt x="1251" y="3527"/>
+                </a:lnTo>
+                <a:lnTo>
+                  <a:pt x="1150" y="3490"/>
+                </a:lnTo>
+                <a:lnTo>
+                  <a:pt x="1050" y="3448"/>
+                </a:lnTo>
+                <a:lnTo>
+                  <a:pt x="953" y="3401"/>
+                </a:lnTo>
+                <a:lnTo>
+                  <a:pt x="860" y="3347"/>
+                </a:lnTo>
+                <a:lnTo>
+                  <a:pt x="771" y="3289"/>
+                </a:lnTo>
+                <a:lnTo>
+                  <a:pt x="686" y="3224"/>
+                </a:lnTo>
+                <a:lnTo>
+                  <a:pt x="604" y="3156"/>
+                </a:lnTo>
+                <a:lnTo>
+                  <a:pt x="527" y="3083"/>
+                </a:lnTo>
+                <a:lnTo>
+                  <a:pt x="454" y="3005"/>
+                </a:lnTo>
+                <a:lnTo>
+                  <a:pt x="386" y="2923"/>
+                </a:lnTo>
+                <a:lnTo>
+                  <a:pt x="323" y="2838"/>
+                </a:lnTo>
+                <a:lnTo>
+                  <a:pt x="265" y="2748"/>
+                </a:lnTo>
+                <a:lnTo>
+                  <a:pt x="211" y="2655"/>
+                </a:lnTo>
+                <a:lnTo>
+                  <a:pt x="163" y="2559"/>
+                </a:lnTo>
+                <a:lnTo>
+                  <a:pt x="121" y="2459"/>
+                </a:lnTo>
+                <a:lnTo>
+                  <a:pt x="85" y="2356"/>
+                </a:lnTo>
+                <a:lnTo>
+                  <a:pt x="55" y="2251"/>
+                </a:lnTo>
+                <a:lnTo>
+                  <a:pt x="32" y="2143"/>
+                </a:lnTo>
+                <a:lnTo>
+                  <a:pt x="14" y="2033"/>
+                </a:lnTo>
+                <a:lnTo>
+                  <a:pt x="4" y="1920"/>
+                </a:lnTo>
+                <a:lnTo>
+                  <a:pt x="0" y="1806"/>
+                </a:lnTo>
+                <a:lnTo>
+                  <a:pt x="4" y="1692"/>
+                </a:lnTo>
+                <a:lnTo>
+                  <a:pt x="14" y="1580"/>
+                </a:lnTo>
+                <a:lnTo>
+                  <a:pt x="32" y="1469"/>
+                </a:lnTo>
+                <a:lnTo>
+                  <a:pt x="55" y="1362"/>
+                </a:lnTo>
+                <a:lnTo>
+                  <a:pt x="85" y="1256"/>
+                </a:lnTo>
+                <a:lnTo>
+                  <a:pt x="121" y="1154"/>
+                </a:lnTo>
+                <a:lnTo>
+                  <a:pt x="163" y="1054"/>
+                </a:lnTo>
+                <a:lnTo>
+                  <a:pt x="211" y="958"/>
+                </a:lnTo>
+                <a:lnTo>
+                  <a:pt x="265" y="864"/>
+                </a:lnTo>
+                <a:lnTo>
+                  <a:pt x="323" y="774"/>
+                </a:lnTo>
+                <a:lnTo>
+                  <a:pt x="386" y="689"/>
+                </a:lnTo>
+                <a:lnTo>
+                  <a:pt x="454" y="607"/>
+                </a:lnTo>
+                <a:lnTo>
+                  <a:pt x="527" y="529"/>
+                </a:lnTo>
+                <a:lnTo>
+                  <a:pt x="604" y="456"/>
+                </a:lnTo>
+                <a:lnTo>
+                  <a:pt x="686" y="388"/>
+                </a:lnTo>
+                <a:lnTo>
+                  <a:pt x="771" y="325"/>
+                </a:lnTo>
+                <a:lnTo>
+                  <a:pt x="860" y="266"/>
+                </a:lnTo>
+                <a:lnTo>
+                  <a:pt x="953" y="212"/>
+                </a:lnTo>
+                <a:lnTo>
+                  <a:pt x="1050" y="164"/>
+                </a:lnTo>
+                <a:lnTo>
+                  <a:pt x="1150" y="122"/>
+                </a:lnTo>
+                <a:lnTo>
+                  <a:pt x="1251" y="85"/>
+                </a:lnTo>
+                <a:lnTo>
+                  <a:pt x="1357" y="55"/>
+                </a:lnTo>
+                <a:lnTo>
+                  <a:pt x="1464" y="32"/>
+                </a:lnTo>
+                <a:lnTo>
+                  <a:pt x="1574" y="14"/>
+                </a:lnTo>
+                <a:lnTo>
+                  <a:pt x="1686" y="5"/>
+                </a:lnTo>
+                <a:lnTo>
+                  <a:pt x="1799" y="0"/>
+                </a:lnTo>
+                <a:close/>
+              </a:path>
+            </a:pathLst>
+          </a:custGeom>
+          <a:solidFill>
+            <a:schemeClr val="tx1">
+              <a:lumMod val="85000"/>
+              <a:lumOff val="15000"/>
+            </a:schemeClr>
+          </a:solidFill>
+          <a:ln w="0">
+            <a:noFill/>
+            <a:prstDash val="solid"/>
+            <a:round/>
+            <a:headEnd/>
+            <a:tailEnd/>
+          </a:ln>
+        </p:spPr>
+        <p:txBody>
+          <a:bodyPr anchor="ctr"/>
+          <a:lstStyle/>
+          <a:p>
+            <a:endParaRPr lang="en-US"/>
+          </a:p>
+        </p:txBody>
+      </p:sp>
+    </p:spTree>
+    <p:extLst>
+      <p:ext uri="{BB962C8B-B14F-4D97-AF65-F5344CB8AC3E}">
+        <p14:creationId xmlns:p14="http://schemas.microsoft.com/office/powerpoint/2010/main" val="1398541666"/>
+      </p:ext>
+    </p:extLst>
+  </p:cSld>
+  <p:clrMapOvr>
+    <a:masterClrMapping/>
+  </p:clrMapOvr>
+</p:sld>
+</file>
+
+<file path=ppt/slides/slide4.xml><?xml version="1.0" encoding="utf-8"?>
+<p:sld xmlns:a="http://schemas.openxmlformats.org/drawingml/2006/main" xmlns:r="http://schemas.openxmlformats.org/officeDocument/2006/relationships" xmlns:p="http://schemas.openxmlformats.org/presentationml/2006/main">
+  <p:cSld>
+    <p:bg>
+      <p:bgPr>
+        <a:solidFill>
           <a:schemeClr val="bg1">
             <a:tint val="98000"/>
             <a:satMod val="170000"/>
@@ -12645,13 +13364,16 @@
 </p:sld>
 </file>
 
-<file path=ppt/slides/slide4.xml><?xml version="1.0" encoding="utf-8"?>
+<file path=ppt/slides/slide5.xml><?xml version="1.0" encoding="utf-8"?>
 <p:sld xmlns:a="http://schemas.openxmlformats.org/drawingml/2006/main" xmlns:r="http://schemas.openxmlformats.org/officeDocument/2006/relationships" xmlns:p="http://schemas.openxmlformats.org/presentationml/2006/main">
   <p:cSld>
     <p:bg>
       <p:bgPr>
         <a:solidFill>
-          <a:schemeClr val="bg2"/>
+          <a:schemeClr val="bg1">
+            <a:tint val="98000"/>
+            <a:satMod val="170000"/>
+          </a:schemeClr>
         </a:solidFill>
         <a:effectLst/>
       </p:bgPr>
@@ -12670,12 +13392,288 @@
           <a:chExt cx="0" cy="0"/>
         </a:xfrm>
       </p:grpSpPr>
+      <p:sp>
+        <p:nvSpPr>
+          <p:cNvPr id="10" name="Freeform 6">
+            <a:extLst>
+              <a:ext uri="{FF2B5EF4-FFF2-40B4-BE49-F238E27FC236}">
+                <a16:creationId xmlns:a16="http://schemas.microsoft.com/office/drawing/2014/main" id="{DD4C4B28-6B4B-4445-8535-F516D74E4AA9}"/>
+              </a:ext>
+              <a:ext uri="{C183D7F6-B498-43B3-948B-1728B52AA6E4}">
+                <adec:decorative xmlns:adec="http://schemas.microsoft.com/office/drawing/2017/decorative" val="1"/>
+              </a:ext>
+            </a:extLst>
+          </p:cNvPr>
+          <p:cNvSpPr>
+            <a:spLocks noGrp="1" noRot="1" noChangeAspect="1" noMove="1" noResize="1" noEditPoints="1" noAdjustHandles="1" noChangeArrowheads="1" noChangeShapeType="1" noTextEdit="1"/>
+          </p:cNvSpPr>
+          <p:nvPr>
+            <p:extLst>
+              <p:ext uri="{386F3935-93C4-4BCD-93E2-E3B085C9AB24}">
+                <p16:designElem xmlns:p16="http://schemas.microsoft.com/office/powerpoint/2015/main" val="1"/>
+              </p:ext>
+            </p:extLst>
+          </p:nvPr>
+        </p:nvSpPr>
+        <p:spPr bwMode="auto">
+          <a:xfrm>
+            <a:off x="11784011" y="5783564"/>
+            <a:ext cx="407988" cy="819150"/>
+          </a:xfrm>
+          <a:custGeom>
+            <a:avLst/>
+            <a:gdLst/>
+            <a:ahLst/>
+            <a:cxnLst/>
+            <a:rect l="0" t="0" r="r" b="b"/>
+            <a:pathLst>
+              <a:path w="1799" h="3612">
+                <a:moveTo>
+                  <a:pt x="1799" y="0"/>
+                </a:moveTo>
+                <a:lnTo>
+                  <a:pt x="1799" y="3612"/>
+                </a:lnTo>
+                <a:lnTo>
+                  <a:pt x="1686" y="3609"/>
+                </a:lnTo>
+                <a:lnTo>
+                  <a:pt x="1574" y="3598"/>
+                </a:lnTo>
+                <a:lnTo>
+                  <a:pt x="1464" y="3581"/>
+                </a:lnTo>
+                <a:lnTo>
+                  <a:pt x="1357" y="3557"/>
+                </a:lnTo>
+                <a:lnTo>
+                  <a:pt x="1251" y="3527"/>
+                </a:lnTo>
+                <a:lnTo>
+                  <a:pt x="1150" y="3490"/>
+                </a:lnTo>
+                <a:lnTo>
+                  <a:pt x="1050" y="3448"/>
+                </a:lnTo>
+                <a:lnTo>
+                  <a:pt x="953" y="3401"/>
+                </a:lnTo>
+                <a:lnTo>
+                  <a:pt x="860" y="3347"/>
+                </a:lnTo>
+                <a:lnTo>
+                  <a:pt x="771" y="3289"/>
+                </a:lnTo>
+                <a:lnTo>
+                  <a:pt x="686" y="3224"/>
+                </a:lnTo>
+                <a:lnTo>
+                  <a:pt x="604" y="3156"/>
+                </a:lnTo>
+                <a:lnTo>
+                  <a:pt x="527" y="3083"/>
+                </a:lnTo>
+                <a:lnTo>
+                  <a:pt x="454" y="3005"/>
+                </a:lnTo>
+                <a:lnTo>
+                  <a:pt x="386" y="2923"/>
+                </a:lnTo>
+                <a:lnTo>
+                  <a:pt x="323" y="2838"/>
+                </a:lnTo>
+                <a:lnTo>
+                  <a:pt x="265" y="2748"/>
+                </a:lnTo>
+                <a:lnTo>
+                  <a:pt x="211" y="2655"/>
+                </a:lnTo>
+                <a:lnTo>
+                  <a:pt x="163" y="2559"/>
+                </a:lnTo>
+                <a:lnTo>
+                  <a:pt x="121" y="2459"/>
+                </a:lnTo>
+                <a:lnTo>
+                  <a:pt x="85" y="2356"/>
+                </a:lnTo>
+                <a:lnTo>
+                  <a:pt x="55" y="2251"/>
+                </a:lnTo>
+                <a:lnTo>
+                  <a:pt x="32" y="2143"/>
+                </a:lnTo>
+                <a:lnTo>
+                  <a:pt x="14" y="2033"/>
+                </a:lnTo>
+                <a:lnTo>
+                  <a:pt x="4" y="1920"/>
+                </a:lnTo>
+                <a:lnTo>
+                  <a:pt x="0" y="1806"/>
+                </a:lnTo>
+                <a:lnTo>
+                  <a:pt x="4" y="1692"/>
+                </a:lnTo>
+                <a:lnTo>
+                  <a:pt x="14" y="1580"/>
+                </a:lnTo>
+                <a:lnTo>
+                  <a:pt x="32" y="1469"/>
+                </a:lnTo>
+                <a:lnTo>
+                  <a:pt x="55" y="1362"/>
+                </a:lnTo>
+                <a:lnTo>
+                  <a:pt x="85" y="1256"/>
+                </a:lnTo>
+                <a:lnTo>
+                  <a:pt x="121" y="1154"/>
+                </a:lnTo>
+                <a:lnTo>
+                  <a:pt x="163" y="1054"/>
+                </a:lnTo>
+                <a:lnTo>
+                  <a:pt x="211" y="958"/>
+                </a:lnTo>
+                <a:lnTo>
+                  <a:pt x="265" y="864"/>
+                </a:lnTo>
+                <a:lnTo>
+                  <a:pt x="323" y="774"/>
+                </a:lnTo>
+                <a:lnTo>
+                  <a:pt x="386" y="689"/>
+                </a:lnTo>
+                <a:lnTo>
+                  <a:pt x="454" y="607"/>
+                </a:lnTo>
+                <a:lnTo>
+                  <a:pt x="527" y="529"/>
+                </a:lnTo>
+                <a:lnTo>
+                  <a:pt x="604" y="456"/>
+                </a:lnTo>
+                <a:lnTo>
+                  <a:pt x="686" y="388"/>
+                </a:lnTo>
+                <a:lnTo>
+                  <a:pt x="771" y="325"/>
+                </a:lnTo>
+                <a:lnTo>
+                  <a:pt x="860" y="266"/>
+                </a:lnTo>
+                <a:lnTo>
+                  <a:pt x="953" y="212"/>
+                </a:lnTo>
+                <a:lnTo>
+                  <a:pt x="1050" y="164"/>
+                </a:lnTo>
+                <a:lnTo>
+                  <a:pt x="1150" y="122"/>
+                </a:lnTo>
+                <a:lnTo>
+                  <a:pt x="1251" y="85"/>
+                </a:lnTo>
+                <a:lnTo>
+                  <a:pt x="1357" y="55"/>
+                </a:lnTo>
+                <a:lnTo>
+                  <a:pt x="1464" y="32"/>
+                </a:lnTo>
+                <a:lnTo>
+                  <a:pt x="1574" y="14"/>
+                </a:lnTo>
+                <a:lnTo>
+                  <a:pt x="1686" y="5"/>
+                </a:lnTo>
+                <a:lnTo>
+                  <a:pt x="1799" y="0"/>
+                </a:lnTo>
+                <a:close/>
+              </a:path>
+            </a:pathLst>
+          </a:custGeom>
+          <a:solidFill>
+            <a:schemeClr val="tx1">
+              <a:lumMod val="85000"/>
+              <a:lumOff val="15000"/>
+            </a:schemeClr>
+          </a:solidFill>
+          <a:ln w="0">
+            <a:noFill/>
+            <a:prstDash val="solid"/>
+            <a:round/>
+            <a:headEnd/>
+            <a:tailEnd/>
+          </a:ln>
+        </p:spPr>
+        <p:txBody>
+          <a:bodyPr anchor="ctr"/>
+          <a:lstStyle/>
+          <a:p>
+            <a:endParaRPr lang="en-US"/>
+          </a:p>
+        </p:txBody>
+      </p:sp>
+      <p:cxnSp>
+        <p:nvCxnSpPr>
+          <p:cNvPr id="12" name="Straight Connector 11">
+            <a:extLst>
+              <a:ext uri="{FF2B5EF4-FFF2-40B4-BE49-F238E27FC236}">
+                <a16:creationId xmlns:a16="http://schemas.microsoft.com/office/drawing/2014/main" id="{0CB1C732-7193-4253-8746-850D090A6B4E}"/>
+              </a:ext>
+              <a:ext uri="{C183D7F6-B498-43B3-948B-1728B52AA6E4}">
+                <adec:decorative xmlns:adec="http://schemas.microsoft.com/office/drawing/2017/decorative" val="1"/>
+              </a:ext>
+            </a:extLst>
+          </p:cNvPr>
+          <p:cNvCxnSpPr>
+            <a:cxnSpLocks noGrp="1" noRot="1" noChangeAspect="1" noMove="1" noResize="1" noEditPoints="1" noAdjustHandles="1" noChangeArrowheads="1" noChangeShapeType="1"/>
+          </p:cNvCxnSpPr>
+          <p:nvPr>
+            <p:extLst>
+              <p:ext uri="{386F3935-93C4-4BCD-93E2-E3B085C9AB24}">
+                <p16:designElem xmlns:p16="http://schemas.microsoft.com/office/powerpoint/2015/main" val="1"/>
+              </p:ext>
+            </p:extLst>
+          </p:nvPr>
+        </p:nvCxnSpPr>
+        <p:spPr>
+          <a:xfrm>
+            <a:off x="758952" y="1280160"/>
+            <a:ext cx="0" cy="5577840"/>
+          </a:xfrm>
+          <a:prstGeom prst="line">
+            <a:avLst/>
+          </a:prstGeom>
+          <a:ln w="19050">
+            <a:solidFill>
+              <a:schemeClr val="tx2"/>
+            </a:solidFill>
+          </a:ln>
+        </p:spPr>
+        <p:style>
+          <a:lnRef idx="1">
+            <a:schemeClr val="accent1"/>
+          </a:lnRef>
+          <a:fillRef idx="0">
+            <a:schemeClr val="accent1"/>
+          </a:fillRef>
+          <a:effectRef idx="0">
+            <a:schemeClr val="accent1"/>
+          </a:effectRef>
+          <a:fontRef idx="minor">
+            <a:schemeClr val="tx1"/>
+          </a:fontRef>
+        </p:style>
+      </p:cxnSp>
       <p:sp useBgFill="1">
         <p:nvSpPr>
-          <p:cNvPr id="10" name="Rectangle 9">
+          <p:cNvPr id="14" name="Rectangle 13">
             <a:extLst>
               <a:ext uri="{FF2B5EF4-FFF2-40B4-BE49-F238E27FC236}">
-                <a16:creationId xmlns:a16="http://schemas.microsoft.com/office/drawing/2014/main" id="{C5176844-69C3-4F79-BE38-EA5BDDF4FEA4}"/>
+                <a16:creationId xmlns:a16="http://schemas.microsoft.com/office/drawing/2014/main" id="{55B419A7-F817-4767-8CCB-FB0E189C4ACD}"/>
               </a:ext>
               <a:ext uri="{C183D7F6-B498-43B3-948B-1728B52AA6E4}">
                 <adec:decorative xmlns:adec="http://schemas.microsoft.com/office/drawing/2017/decorative" val="1"/>
@@ -12735,7 +13733,7 @@
           <p:cNvPr id="2" name="Title 1">
             <a:extLst>
               <a:ext uri="{FF2B5EF4-FFF2-40B4-BE49-F238E27FC236}">
-                <a16:creationId xmlns:a16="http://schemas.microsoft.com/office/drawing/2014/main" id="{45EB3BC9-644A-E999-D25F-6F03E40770BD}"/>
+                <a16:creationId xmlns:a16="http://schemas.microsoft.com/office/drawing/2014/main" id="{1573E563-9133-6526-8E18-5207B3678D98}"/>
               </a:ext>
             </a:extLst>
           </p:cNvPr>
@@ -12748,34 +13746,77 @@
         </p:nvSpPr>
         <p:spPr>
           <a:xfrm>
-            <a:off x="1068497" y="1063256"/>
-            <a:ext cx="5312254" cy="1540106"/>
+            <a:off x="7879743" y="1104066"/>
+            <a:ext cx="3464109" cy="3146318"/>
           </a:xfrm>
         </p:spPr>
         <p:txBody>
-          <a:bodyPr>
+          <a:bodyPr vert="horz" lIns="91440" tIns="45720" rIns="91440" bIns="45720" rtlCol="0" anchor="t">
             <a:normAutofit/>
           </a:bodyPr>
           <a:lstStyle/>
           <a:p>
             <a:r>
-              <a:rPr lang="en-US" dirty="0"/>
-              <a:t>A Program </a:t>
-            </a:r>
-            <a:r>
-              <a:rPr lang="en-US" dirty="0" err="1"/>
-              <a:t>Célja</a:t>
-            </a:r>
-            <a:endParaRPr lang="hu-HU" dirty="0"/>
+              <a:rPr lang="en-US" sz="5400" i="1" kern="1200" spc="100" baseline="0">
+                <a:solidFill>
+                  <a:schemeClr val="tx1">
+                    <a:lumMod val="85000"/>
+                    <a:lumOff val="15000"/>
+                  </a:schemeClr>
+                </a:solidFill>
+                <a:latin typeface="+mj-lt"/>
+                <a:ea typeface="+mj-ea"/>
+                <a:cs typeface="+mj-cs"/>
+              </a:rPr>
+              <a:t>Az osztályok UML diagramja</a:t>
+            </a:r>
           </a:p>
         </p:txBody>
       </p:sp>
+      <p:pic>
+        <p:nvPicPr>
+          <p:cNvPr id="5" name="Content Placeholder 4" descr="A screenshot of a computer&#10;&#10;Description automatically generated">
+            <a:extLst>
+              <a:ext uri="{FF2B5EF4-FFF2-40B4-BE49-F238E27FC236}">
+                <a16:creationId xmlns:a16="http://schemas.microsoft.com/office/drawing/2014/main" id="{D4731C0E-2762-33DE-EBA5-C345E4BB188B}"/>
+              </a:ext>
+            </a:extLst>
+          </p:cNvPr>
+          <p:cNvPicPr>
+            <a:picLocks noGrp="1" noChangeAspect="1"/>
+          </p:cNvPicPr>
+          <p:nvPr>
+            <p:ph idx="1"/>
+          </p:nvPr>
+        </p:nvPicPr>
+        <p:blipFill>
+          <a:blip r:embed="rId2">
+            <a:extLst>
+              <a:ext uri="{28A0092B-C50C-407E-A947-70E740481C1C}">
+                <a14:useLocalDpi xmlns:a14="http://schemas.microsoft.com/office/drawing/2010/main" val="0"/>
+              </a:ext>
+            </a:extLst>
+          </a:blip>
+          <a:stretch>
+            <a:fillRect/>
+          </a:stretch>
+        </p:blipFill>
+        <p:spPr>
+          <a:xfrm>
+            <a:off x="118963" y="1896532"/>
+            <a:ext cx="7234242" cy="3056467"/>
+          </a:xfrm>
+          <a:prstGeom prst="rect">
+            <a:avLst/>
+          </a:prstGeom>
+        </p:spPr>
+      </p:pic>
       <p:cxnSp>
         <p:nvCxnSpPr>
-          <p:cNvPr id="26" name="Straight Connector 25">
+          <p:cNvPr id="16" name="Straight Connector 15">
             <a:extLst>
               <a:ext uri="{FF2B5EF4-FFF2-40B4-BE49-F238E27FC236}">
-                <a16:creationId xmlns:a16="http://schemas.microsoft.com/office/drawing/2014/main" id="{33862825-C012-4895-A17E-F3D1F62D89DD}"/>
+                <a16:creationId xmlns:a16="http://schemas.microsoft.com/office/drawing/2014/main" id="{0552FC00-E6D3-45AF-BE3D-0368141142EE}"/>
               </a:ext>
               <a:ext uri="{C183D7F6-B498-43B3-948B-1728B52AA6E4}">
                 <adec:decorative xmlns:adec="http://schemas.microsoft.com/office/drawing/2017/decorative" val="1"/>
@@ -12795,7 +13836,7 @@
         </p:nvCxnSpPr>
         <p:spPr>
           <a:xfrm>
-            <a:off x="758952" y="1143293"/>
+            <a:off x="7532660" y="1143293"/>
             <a:ext cx="0" cy="5714707"/>
           </a:xfrm>
           <a:prstGeom prst="line">
@@ -12803,10 +13844,7 @@
           </a:prstGeom>
           <a:ln w="19050">
             <a:solidFill>
-              <a:schemeClr val="tx1">
-                <a:lumMod val="85000"/>
-                <a:lumOff val="15000"/>
-              </a:schemeClr>
+              <a:schemeClr val="tx1"/>
             </a:solidFill>
           </a:ln>
         </p:spPr>
@@ -12827,306 +13865,10 @@
       </p:cxnSp>
       <p:sp>
         <p:nvSpPr>
-          <p:cNvPr id="3" name="Content Placeholder 2">
+          <p:cNvPr id="18" name="Freeform 6">
             <a:extLst>
               <a:ext uri="{FF2B5EF4-FFF2-40B4-BE49-F238E27FC236}">
-                <a16:creationId xmlns:a16="http://schemas.microsoft.com/office/drawing/2014/main" id="{BC3445F5-7F82-E7E0-FBD4-1A23DBF9ABB8}"/>
-              </a:ext>
-            </a:extLst>
-          </p:cNvPr>
-          <p:cNvSpPr>
-            <a:spLocks noGrp="1"/>
-          </p:cNvSpPr>
-          <p:nvPr>
-            <p:ph idx="1"/>
-          </p:nvPr>
-        </p:nvSpPr>
-        <p:spPr>
-          <a:xfrm>
-            <a:off x="1068497" y="2933390"/>
-            <a:ext cx="5312254" cy="2861349"/>
-          </a:xfrm>
-        </p:spPr>
-        <p:txBody>
-          <a:bodyPr>
-            <a:normAutofit/>
-          </a:bodyPr>
-          <a:lstStyle/>
-          <a:p>
-            <a:pPr marL="0" indent="0" algn="just">
-              <a:buNone/>
-            </a:pPr>
-            <a:r>
-              <a:rPr lang="en-US" dirty="0"/>
-              <a:t>A program </a:t>
-            </a:r>
-            <a:r>
-              <a:rPr lang="en-US" dirty="0" err="1"/>
-              <a:t>egy</a:t>
-            </a:r>
-            <a:r>
-              <a:rPr lang="en-US" dirty="0"/>
-              <a:t> </a:t>
-            </a:r>
-            <a:r>
-              <a:rPr lang="en-US" dirty="0" err="1"/>
-              <a:t>képfeltöltő</a:t>
-            </a:r>
-            <a:r>
-              <a:rPr lang="en-US" dirty="0"/>
-              <a:t> </a:t>
-            </a:r>
-            <a:r>
-              <a:rPr lang="en-US" dirty="0" err="1"/>
-              <a:t>és</a:t>
-            </a:r>
-            <a:r>
-              <a:rPr lang="en-US" dirty="0"/>
-              <a:t> </a:t>
-            </a:r>
-            <a:r>
-              <a:rPr lang="en-US" dirty="0" err="1"/>
-              <a:t>megosztó</a:t>
-            </a:r>
-            <a:r>
-              <a:rPr lang="en-US" dirty="0"/>
-              <a:t> </a:t>
-            </a:r>
-            <a:r>
-              <a:rPr lang="en-US" dirty="0" err="1"/>
-              <a:t>rendszer</a:t>
-            </a:r>
-            <a:r>
-              <a:rPr lang="en-US" dirty="0"/>
-              <a:t>, </a:t>
-            </a:r>
-            <a:r>
-              <a:rPr lang="en-US" dirty="0" err="1"/>
-              <a:t>amely</a:t>
-            </a:r>
-            <a:r>
-              <a:rPr lang="en-US" dirty="0"/>
-              <a:t> </a:t>
-            </a:r>
-            <a:r>
-              <a:rPr lang="en-US" dirty="0" err="1"/>
-              <a:t>lehetővé</a:t>
-            </a:r>
-            <a:r>
-              <a:rPr lang="en-US" dirty="0"/>
-              <a:t> </a:t>
-            </a:r>
-            <a:r>
-              <a:rPr lang="en-US" dirty="0" err="1"/>
-              <a:t>teszi</a:t>
-            </a:r>
-            <a:r>
-              <a:rPr lang="en-US" dirty="0"/>
-              <a:t>:</a:t>
-            </a:r>
-            <a:endParaRPr lang="hu-HU" dirty="0"/>
-          </a:p>
-          <a:p>
-            <a:pPr algn="just"/>
-            <a:r>
-              <a:rPr lang="en-US" dirty="0" err="1"/>
-              <a:t>Képek</a:t>
-            </a:r>
-            <a:r>
-              <a:rPr lang="en-US" dirty="0"/>
-              <a:t> </a:t>
-            </a:r>
-            <a:r>
-              <a:rPr lang="en-US" dirty="0" err="1"/>
-              <a:t>feltöltését</a:t>
-            </a:r>
-            <a:r>
-              <a:rPr lang="en-US" dirty="0"/>
-              <a:t> </a:t>
-            </a:r>
-            <a:r>
-              <a:rPr lang="en-US" dirty="0" err="1"/>
-              <a:t>és</a:t>
-            </a:r>
-            <a:r>
-              <a:rPr lang="en-US" dirty="0"/>
-              <a:t> </a:t>
-            </a:r>
-            <a:r>
-              <a:rPr lang="en-US" dirty="0" err="1"/>
-              <a:t>méretezését</a:t>
-            </a:r>
-            <a:endParaRPr lang="en-US" dirty="0"/>
-          </a:p>
-          <a:p>
-            <a:pPr algn="just"/>
-            <a:r>
-              <a:rPr lang="en-US" dirty="0" err="1"/>
-              <a:t>Képek</a:t>
-            </a:r>
-            <a:r>
-              <a:rPr lang="en-US" dirty="0"/>
-              <a:t> </a:t>
-            </a:r>
-            <a:r>
-              <a:rPr lang="en-US" dirty="0" err="1"/>
-              <a:t>megjelenítését</a:t>
-            </a:r>
-            <a:r>
-              <a:rPr lang="en-US" dirty="0"/>
-              <a:t> a </a:t>
-            </a:r>
-            <a:r>
-              <a:rPr lang="en-US" dirty="0" err="1"/>
-              <a:t>galériában</a:t>
-            </a:r>
-            <a:endParaRPr lang="en-US" dirty="0"/>
-          </a:p>
-          <a:p>
-            <a:pPr algn="just"/>
-            <a:r>
-              <a:rPr lang="en-US" dirty="0" err="1"/>
-              <a:t>Címkék</a:t>
-            </a:r>
-            <a:r>
-              <a:rPr lang="en-US" dirty="0"/>
-              <a:t> </a:t>
-            </a:r>
-            <a:r>
-              <a:rPr lang="en-US" dirty="0" err="1"/>
-              <a:t>és</a:t>
-            </a:r>
-            <a:r>
-              <a:rPr lang="en-US" dirty="0"/>
-              <a:t> </a:t>
-            </a:r>
-            <a:r>
-              <a:rPr lang="en-US" dirty="0" err="1"/>
-              <a:t>kommentek</a:t>
-            </a:r>
-            <a:r>
-              <a:rPr lang="en-US" dirty="0"/>
-              <a:t> </a:t>
-            </a:r>
-            <a:r>
-              <a:rPr lang="en-US" dirty="0" err="1"/>
-              <a:t>kezelését</a:t>
-            </a:r>
-            <a:endParaRPr lang="hu-HU" dirty="0"/>
-          </a:p>
-          <a:p>
-            <a:pPr algn="just"/>
-            <a:r>
-              <a:rPr lang="en-US" dirty="0" err="1"/>
-              <a:t>Képek</a:t>
-            </a:r>
-            <a:r>
-              <a:rPr lang="en-US" dirty="0"/>
-              <a:t> </a:t>
-            </a:r>
-            <a:r>
-              <a:rPr lang="en-US" dirty="0" err="1"/>
-              <a:t>megosztását</a:t>
-            </a:r>
-            <a:r>
-              <a:rPr lang="en-US" dirty="0"/>
-              <a:t> </a:t>
-            </a:r>
-            <a:r>
-              <a:rPr lang="en-US" dirty="0" err="1"/>
-              <a:t>más</a:t>
-            </a:r>
-            <a:r>
-              <a:rPr lang="en-US" dirty="0"/>
-              <a:t> </a:t>
-            </a:r>
-            <a:r>
-              <a:rPr lang="en-US" dirty="0" err="1"/>
-              <a:t>felhasználókkal</a:t>
-            </a:r>
-            <a:endParaRPr lang="en-US" dirty="0"/>
-          </a:p>
-          <a:p>
-            <a:pPr algn="just"/>
-            <a:endParaRPr lang="hu-HU" dirty="0"/>
-          </a:p>
-        </p:txBody>
-      </p:sp>
-      <p:pic>
-        <p:nvPicPr>
-          <p:cNvPr id="5" name="Picture 4" descr="A screenshot of a video game">
-            <a:extLst>
-              <a:ext uri="{FF2B5EF4-FFF2-40B4-BE49-F238E27FC236}">
-                <a16:creationId xmlns:a16="http://schemas.microsoft.com/office/drawing/2014/main" id="{06134F0B-51F3-A5CC-13E7-675669964C9F}"/>
-              </a:ext>
-            </a:extLst>
-          </p:cNvPr>
-          <p:cNvPicPr>
-            <a:picLocks noChangeAspect="1"/>
-          </p:cNvPicPr>
-          <p:nvPr/>
-        </p:nvPicPr>
-        <p:blipFill>
-          <a:blip r:embed="rId2">
-            <a:extLst>
-              <a:ext uri="{28A0092B-C50C-407E-A947-70E740481C1C}">
-                <a14:useLocalDpi xmlns:a14="http://schemas.microsoft.com/office/drawing/2010/main" val="0"/>
-              </a:ext>
-            </a:extLst>
-          </a:blip>
-          <a:srcRect l="18109" r="45580" b="1"/>
-          <a:stretch/>
-        </p:blipFill>
-        <p:spPr>
-          <a:xfrm>
-            <a:off x="6976934" y="10"/>
-            <a:ext cx="5215066" cy="6857990"/>
-          </a:xfrm>
-          <a:custGeom>
-            <a:avLst/>
-            <a:gdLst/>
-            <a:ahLst/>
-            <a:cxnLst/>
-            <a:rect l="l" t="t" r="r" b="b"/>
-            <a:pathLst>
-              <a:path w="5215066" h="6858000">
-                <a:moveTo>
-                  <a:pt x="2017353" y="0"/>
-                </a:moveTo>
-                <a:lnTo>
-                  <a:pt x="5215066" y="0"/>
-                </a:lnTo>
-                <a:lnTo>
-                  <a:pt x="5215066" y="6858000"/>
-                </a:lnTo>
-                <a:lnTo>
-                  <a:pt x="1292431" y="6858000"/>
-                </a:lnTo>
-                <a:lnTo>
-                  <a:pt x="1012702" y="6549681"/>
-                </a:lnTo>
-                <a:cubicBezTo>
-                  <a:pt x="380046" y="5781733"/>
-                  <a:pt x="0" y="4797206"/>
-                  <a:pt x="0" y="3723759"/>
-                </a:cubicBezTo>
-                <a:cubicBezTo>
-                  <a:pt x="0" y="2190263"/>
-                  <a:pt x="775604" y="838237"/>
-                  <a:pt x="1955279" y="39865"/>
-                </a:cubicBezTo>
-                <a:close/>
-              </a:path>
-            </a:pathLst>
-          </a:custGeom>
-        </p:spPr>
-      </p:pic>
-      <p:sp>
-        <p:nvSpPr>
-          <p:cNvPr id="14" name="Freeform 6">
-            <a:extLst>
-              <a:ext uri="{FF2B5EF4-FFF2-40B4-BE49-F238E27FC236}">
-                <a16:creationId xmlns:a16="http://schemas.microsoft.com/office/drawing/2014/main" id="{A101E513-AF74-4E9D-A31F-99664250722D}"/>
+                <a16:creationId xmlns:a16="http://schemas.microsoft.com/office/drawing/2014/main" id="{ADA271CD-3011-4A05-B4A3-80F1794684F2}"/>
               </a:ext>
               <a:ext uri="{C183D7F6-B498-43B3-948B-1728B52AA6E4}">
                 <adec:decorative xmlns:adec="http://schemas.microsoft.com/office/drawing/2017/decorative" val="1"/>
@@ -13146,7 +13888,7 @@
         </p:nvSpPr>
         <p:spPr bwMode="auto">
           <a:xfrm>
-            <a:off x="11784011" y="5783564"/>
+            <a:off x="11784011" y="5788152"/>
             <a:ext cx="407988" cy="819150"/>
           </a:xfrm>
           <a:custGeom>
@@ -13348,7 +14090,7 @@
     </p:spTree>
     <p:extLst>
       <p:ext uri="{BB962C8B-B14F-4D97-AF65-F5344CB8AC3E}">
-        <p14:creationId xmlns:p14="http://schemas.microsoft.com/office/powerpoint/2010/main" val="1398541666"/>
+        <p14:creationId xmlns:p14="http://schemas.microsoft.com/office/powerpoint/2010/main" val="806565660"/>
       </p:ext>
     </p:extLst>
   </p:cSld>
@@ -13358,7 +14100,7 @@
 </p:sld>
 </file>
 
-<file path=ppt/slides/slide5.xml><?xml version="1.0" encoding="utf-8"?>
+<file path=ppt/slides/slide6.xml><?xml version="1.0" encoding="utf-8"?>
 <p:sld xmlns:a="http://schemas.openxmlformats.org/drawingml/2006/main" xmlns:r="http://schemas.openxmlformats.org/officeDocument/2006/relationships" xmlns:p="http://schemas.openxmlformats.org/presentationml/2006/main">
   <p:cSld>
     <p:bg>
@@ -13837,7 +14579,7 @@
 </p:sld>
 </file>
 
-<file path=ppt/slides/slide6.xml><?xml version="1.0" encoding="utf-8"?>
+<file path=ppt/slides/slide7.xml><?xml version="1.0" encoding="utf-8"?>
 <p:sld xmlns:a="http://schemas.openxmlformats.org/drawingml/2006/main" xmlns:r="http://schemas.openxmlformats.org/officeDocument/2006/relationships" xmlns:p="http://schemas.openxmlformats.org/presentationml/2006/main">
   <p:cSld>
     <p:bg>
@@ -14500,7 +15242,7 @@
 </p:sld>
 </file>
 
-<file path=ppt/slides/slide7.xml><?xml version="1.0" encoding="utf-8"?>
+<file path=ppt/slides/slide8.xml><?xml version="1.0" encoding="utf-8"?>
 <p:sld xmlns:a="http://schemas.openxmlformats.org/drawingml/2006/main" xmlns:r="http://schemas.openxmlformats.org/officeDocument/2006/relationships" xmlns:p="http://schemas.openxmlformats.org/presentationml/2006/main">
   <p:cSld>
     <p:bg>
@@ -15068,7 +15810,7 @@
 </p:sld>
 </file>
 
-<file path=ppt/slides/slide8.xml><?xml version="1.0" encoding="utf-8"?>
+<file path=ppt/slides/slide9.xml><?xml version="1.0" encoding="utf-8"?>
 <p:sld xmlns:a="http://schemas.openxmlformats.org/drawingml/2006/main" xmlns:r="http://schemas.openxmlformats.org/officeDocument/2006/relationships" xmlns:p="http://schemas.openxmlformats.org/presentationml/2006/main">
   <p:cSld>
     <p:bg>
